--- a/PPT/数据访问层.pptx
+++ b/PPT/数据访问层.pptx
@@ -10,6 +10,8 @@
     <p:sldId id="258" r:id="rId4"/>
     <p:sldId id="259" r:id="rId5"/>
     <p:sldId id="260" r:id="rId6"/>
+    <p:sldId id="261" r:id="rId7"/>
+    <p:sldId id="262" r:id="rId8"/>
   </p:sldIdLst>
   <p:sldSz cx="12192000" cy="6858000"/>
   <p:notesSz cx="6858000" cy="9144000"/>
@@ -247,7 +249,7 @@
           <a:p>
             <a:fld id="{5F55EA55-7F37-4FBE-BE40-475EA1CBA48C}" type="datetimeFigureOut">
               <a:rPr lang="zh-CN" altLang="en-US" smtClean="0"/>
-              <a:t>2016/10/19</a:t>
+              <a:t>2016/10/20</a:t>
             </a:fld>
             <a:endParaRPr lang="zh-CN" altLang="en-US"/>
           </a:p>
@@ -417,7 +419,7 @@
           <a:p>
             <a:fld id="{5F55EA55-7F37-4FBE-BE40-475EA1CBA48C}" type="datetimeFigureOut">
               <a:rPr lang="zh-CN" altLang="en-US" smtClean="0"/>
-              <a:t>2016/10/19</a:t>
+              <a:t>2016/10/20</a:t>
             </a:fld>
             <a:endParaRPr lang="zh-CN" altLang="en-US"/>
           </a:p>
@@ -597,7 +599,7 @@
           <a:p>
             <a:fld id="{5F55EA55-7F37-4FBE-BE40-475EA1CBA48C}" type="datetimeFigureOut">
               <a:rPr lang="zh-CN" altLang="en-US" smtClean="0"/>
-              <a:t>2016/10/19</a:t>
+              <a:t>2016/10/20</a:t>
             </a:fld>
             <a:endParaRPr lang="zh-CN" altLang="en-US"/>
           </a:p>
@@ -767,7 +769,7 @@
           <a:p>
             <a:fld id="{5F55EA55-7F37-4FBE-BE40-475EA1CBA48C}" type="datetimeFigureOut">
               <a:rPr lang="zh-CN" altLang="en-US" smtClean="0"/>
-              <a:t>2016/10/19</a:t>
+              <a:t>2016/10/20</a:t>
             </a:fld>
             <a:endParaRPr lang="zh-CN" altLang="en-US"/>
           </a:p>
@@ -1013,7 +1015,7 @@
           <a:p>
             <a:fld id="{5F55EA55-7F37-4FBE-BE40-475EA1CBA48C}" type="datetimeFigureOut">
               <a:rPr lang="zh-CN" altLang="en-US" smtClean="0"/>
-              <a:t>2016/10/19</a:t>
+              <a:t>2016/10/20</a:t>
             </a:fld>
             <a:endParaRPr lang="zh-CN" altLang="en-US"/>
           </a:p>
@@ -1245,7 +1247,7 @@
           <a:p>
             <a:fld id="{5F55EA55-7F37-4FBE-BE40-475EA1CBA48C}" type="datetimeFigureOut">
               <a:rPr lang="zh-CN" altLang="en-US" smtClean="0"/>
-              <a:t>2016/10/19</a:t>
+              <a:t>2016/10/20</a:t>
             </a:fld>
             <a:endParaRPr lang="zh-CN" altLang="en-US"/>
           </a:p>
@@ -1612,7 +1614,7 @@
           <a:p>
             <a:fld id="{5F55EA55-7F37-4FBE-BE40-475EA1CBA48C}" type="datetimeFigureOut">
               <a:rPr lang="zh-CN" altLang="en-US" smtClean="0"/>
-              <a:t>2016/10/19</a:t>
+              <a:t>2016/10/20</a:t>
             </a:fld>
             <a:endParaRPr lang="zh-CN" altLang="en-US"/>
           </a:p>
@@ -1730,7 +1732,7 @@
           <a:p>
             <a:fld id="{5F55EA55-7F37-4FBE-BE40-475EA1CBA48C}" type="datetimeFigureOut">
               <a:rPr lang="zh-CN" altLang="en-US" smtClean="0"/>
-              <a:t>2016/10/19</a:t>
+              <a:t>2016/10/20</a:t>
             </a:fld>
             <a:endParaRPr lang="zh-CN" altLang="en-US"/>
           </a:p>
@@ -1825,7 +1827,7 @@
           <a:p>
             <a:fld id="{5F55EA55-7F37-4FBE-BE40-475EA1CBA48C}" type="datetimeFigureOut">
               <a:rPr lang="zh-CN" altLang="en-US" smtClean="0"/>
-              <a:t>2016/10/19</a:t>
+              <a:t>2016/10/20</a:t>
             </a:fld>
             <a:endParaRPr lang="zh-CN" altLang="en-US"/>
           </a:p>
@@ -2102,7 +2104,7 @@
           <a:p>
             <a:fld id="{5F55EA55-7F37-4FBE-BE40-475EA1CBA48C}" type="datetimeFigureOut">
               <a:rPr lang="zh-CN" altLang="en-US" smtClean="0"/>
-              <a:t>2016/10/19</a:t>
+              <a:t>2016/10/20</a:t>
             </a:fld>
             <a:endParaRPr lang="zh-CN" altLang="en-US"/>
           </a:p>
@@ -2355,7 +2357,7 @@
           <a:p>
             <a:fld id="{5F55EA55-7F37-4FBE-BE40-475EA1CBA48C}" type="datetimeFigureOut">
               <a:rPr lang="zh-CN" altLang="en-US" smtClean="0"/>
-              <a:t>2016/10/19</a:t>
+              <a:t>2016/10/20</a:t>
             </a:fld>
             <a:endParaRPr lang="zh-CN" altLang="en-US"/>
           </a:p>
@@ -2568,7 +2570,7 @@
           <a:p>
             <a:fld id="{5F55EA55-7F37-4FBE-BE40-475EA1CBA48C}" type="datetimeFigureOut">
               <a:rPr lang="zh-CN" altLang="en-US" smtClean="0"/>
-              <a:t>2016/10/19</a:t>
+              <a:t>2016/10/20</a:t>
             </a:fld>
             <a:endParaRPr lang="zh-CN" altLang="en-US"/>
           </a:p>
@@ -6645,6 +6647,839 @@
 </p:sld>
 </file>
 
+<file path=ppt/slides/slide6.xml><?xml version="1.0" encoding="utf-8"?>
+<p:sld xmlns:a="http://schemas.openxmlformats.org/drawingml/2006/main" xmlns:r="http://schemas.openxmlformats.org/officeDocument/2006/relationships" xmlns:p="http://schemas.openxmlformats.org/presentationml/2006/main">
+  <p:cSld>
+    <p:spTree>
+      <p:nvGrpSpPr>
+        <p:cNvPr id="1" name=""/>
+        <p:cNvGrpSpPr/>
+        <p:nvPr/>
+      </p:nvGrpSpPr>
+      <p:grpSpPr>
+        <a:xfrm>
+          <a:off x="0" y="0"/>
+          <a:ext cx="0" cy="0"/>
+          <a:chOff x="0" y="0"/>
+          <a:chExt cx="0" cy="0"/>
+        </a:xfrm>
+      </p:grpSpPr>
+      <p:sp>
+        <p:nvSpPr>
+          <p:cNvPr id="2" name="矩形 1"/>
+          <p:cNvSpPr/>
+          <p:nvPr/>
+        </p:nvSpPr>
+        <p:spPr>
+          <a:xfrm>
+            <a:off x="436729" y="300250"/>
+            <a:ext cx="1897039" cy="2715905"/>
+          </a:xfrm>
+          <a:prstGeom prst="rect">
+            <a:avLst/>
+          </a:prstGeom>
+        </p:spPr>
+        <p:style>
+          <a:lnRef idx="2">
+            <a:schemeClr val="dk1"/>
+          </a:lnRef>
+          <a:fillRef idx="1">
+            <a:schemeClr val="lt1"/>
+          </a:fillRef>
+          <a:effectRef idx="0">
+            <a:schemeClr val="dk1"/>
+          </a:effectRef>
+          <a:fontRef idx="minor">
+            <a:schemeClr val="dk1"/>
+          </a:fontRef>
+        </p:style>
+        <p:txBody>
+          <a:bodyPr rtlCol="0" anchor="ctr"/>
+          <a:lstStyle/>
+          <a:p>
+            <a:pPr algn="ctr"/>
+            <a:r>
+              <a:rPr lang="en-US" altLang="zh-CN" dirty="0" smtClean="0"/>
+              <a:t>Id = 1 v = 1</a:t>
+            </a:r>
+          </a:p>
+          <a:p>
+            <a:pPr algn="ctr"/>
+            <a:r>
+              <a:rPr lang="en-US" altLang="zh-CN" dirty="0" smtClean="0"/>
+              <a:t>Id = 2 v = 1</a:t>
+            </a:r>
+          </a:p>
+          <a:p>
+            <a:pPr algn="ctr"/>
+            <a:r>
+              <a:rPr lang="en-US" altLang="zh-CN" dirty="0" smtClean="0"/>
+              <a:t>Id = 3 v = 1</a:t>
+            </a:r>
+          </a:p>
+          <a:p>
+            <a:pPr algn="ctr"/>
+            <a:r>
+              <a:rPr lang="en-US" altLang="zh-CN" dirty="0" smtClean="0"/>
+              <a:t>Id = 4 v = 1</a:t>
+            </a:r>
+            <a:endParaRPr lang="zh-CN" altLang="en-US" dirty="0"/>
+          </a:p>
+        </p:txBody>
+      </p:sp>
+      <p:sp>
+        <p:nvSpPr>
+          <p:cNvPr id="3" name="文本框 2"/>
+          <p:cNvSpPr txBox="1"/>
+          <p:nvPr/>
+        </p:nvSpPr>
+        <p:spPr>
+          <a:xfrm>
+            <a:off x="682388" y="559559"/>
+            <a:ext cx="1433015" cy="369332"/>
+          </a:xfrm>
+          <a:prstGeom prst="rect">
+            <a:avLst/>
+          </a:prstGeom>
+          <a:noFill/>
+        </p:spPr>
+        <p:txBody>
+          <a:bodyPr wrap="square" rtlCol="0">
+            <a:spAutoFit/>
+          </a:bodyPr>
+          <a:lstStyle/>
+          <a:p>
+            <a:r>
+              <a:rPr lang="zh-CN" altLang="en-US" dirty="0" smtClean="0"/>
+              <a:t>源库表</a:t>
+            </a:r>
+            <a:endParaRPr lang="zh-CN" altLang="en-US" dirty="0"/>
+          </a:p>
+        </p:txBody>
+      </p:sp>
+      <p:sp>
+        <p:nvSpPr>
+          <p:cNvPr id="4" name="矩形 3"/>
+          <p:cNvSpPr/>
+          <p:nvPr/>
+        </p:nvSpPr>
+        <p:spPr>
+          <a:xfrm>
+            <a:off x="3236794" y="300251"/>
+            <a:ext cx="1897039" cy="2715905"/>
+          </a:xfrm>
+          <a:prstGeom prst="rect">
+            <a:avLst/>
+          </a:prstGeom>
+        </p:spPr>
+        <p:style>
+          <a:lnRef idx="2">
+            <a:schemeClr val="dk1"/>
+          </a:lnRef>
+          <a:fillRef idx="1">
+            <a:schemeClr val="lt1"/>
+          </a:fillRef>
+          <a:effectRef idx="0">
+            <a:schemeClr val="dk1"/>
+          </a:effectRef>
+          <a:fontRef idx="minor">
+            <a:schemeClr val="dk1"/>
+          </a:fontRef>
+        </p:style>
+        <p:txBody>
+          <a:bodyPr rtlCol="0" anchor="ctr"/>
+          <a:lstStyle/>
+          <a:p>
+            <a:pPr algn="ctr"/>
+            <a:endParaRPr lang="zh-CN" altLang="en-US" dirty="0"/>
+          </a:p>
+        </p:txBody>
+      </p:sp>
+      <p:sp>
+        <p:nvSpPr>
+          <p:cNvPr id="5" name="文本框 4"/>
+          <p:cNvSpPr txBox="1"/>
+          <p:nvPr/>
+        </p:nvSpPr>
+        <p:spPr>
+          <a:xfrm>
+            <a:off x="3468805" y="559559"/>
+            <a:ext cx="1433015" cy="369332"/>
+          </a:xfrm>
+          <a:prstGeom prst="rect">
+            <a:avLst/>
+          </a:prstGeom>
+          <a:noFill/>
+        </p:spPr>
+        <p:txBody>
+          <a:bodyPr wrap="square" rtlCol="0">
+            <a:spAutoFit/>
+          </a:bodyPr>
+          <a:lstStyle/>
+          <a:p>
+            <a:r>
+              <a:rPr lang="zh-CN" altLang="en-US" dirty="0" smtClean="0"/>
+              <a:t>增量日志</a:t>
+            </a:r>
+            <a:endParaRPr lang="zh-CN" altLang="en-US" dirty="0"/>
+          </a:p>
+        </p:txBody>
+      </p:sp>
+      <p:sp>
+        <p:nvSpPr>
+          <p:cNvPr id="7" name="矩形 6"/>
+          <p:cNvSpPr/>
+          <p:nvPr/>
+        </p:nvSpPr>
+        <p:spPr>
+          <a:xfrm>
+            <a:off x="6036859" y="300250"/>
+            <a:ext cx="1897039" cy="2715905"/>
+          </a:xfrm>
+          <a:prstGeom prst="rect">
+            <a:avLst/>
+          </a:prstGeom>
+        </p:spPr>
+        <p:style>
+          <a:lnRef idx="2">
+            <a:schemeClr val="dk1"/>
+          </a:lnRef>
+          <a:fillRef idx="1">
+            <a:schemeClr val="lt1"/>
+          </a:fillRef>
+          <a:effectRef idx="0">
+            <a:schemeClr val="dk1"/>
+          </a:effectRef>
+          <a:fontRef idx="minor">
+            <a:schemeClr val="dk1"/>
+          </a:fontRef>
+        </p:style>
+        <p:txBody>
+          <a:bodyPr rtlCol="0" anchor="ctr"/>
+          <a:lstStyle/>
+          <a:p>
+            <a:pPr algn="ctr"/>
+            <a:endParaRPr lang="zh-CN" altLang="en-US" dirty="0"/>
+          </a:p>
+        </p:txBody>
+      </p:sp>
+      <p:sp>
+        <p:nvSpPr>
+          <p:cNvPr id="8" name="文本框 7"/>
+          <p:cNvSpPr txBox="1"/>
+          <p:nvPr/>
+        </p:nvSpPr>
+        <p:spPr>
+          <a:xfrm>
+            <a:off x="6268870" y="559558"/>
+            <a:ext cx="1433015" cy="369332"/>
+          </a:xfrm>
+          <a:prstGeom prst="rect">
+            <a:avLst/>
+          </a:prstGeom>
+          <a:noFill/>
+        </p:spPr>
+        <p:txBody>
+          <a:bodyPr wrap="square" rtlCol="0">
+            <a:spAutoFit/>
+          </a:bodyPr>
+          <a:lstStyle/>
+          <a:p>
+            <a:r>
+              <a:rPr lang="zh-CN" altLang="en-US" dirty="0" smtClean="0"/>
+              <a:t>新库表</a:t>
+            </a:r>
+            <a:endParaRPr lang="zh-CN" altLang="en-US" dirty="0"/>
+          </a:p>
+        </p:txBody>
+      </p:sp>
+      <p:sp>
+        <p:nvSpPr>
+          <p:cNvPr id="9" name="矩形 8"/>
+          <p:cNvSpPr/>
+          <p:nvPr/>
+        </p:nvSpPr>
+        <p:spPr>
+          <a:xfrm>
+            <a:off x="436729" y="3632579"/>
+            <a:ext cx="1897039" cy="2715905"/>
+          </a:xfrm>
+          <a:prstGeom prst="rect">
+            <a:avLst/>
+          </a:prstGeom>
+        </p:spPr>
+        <p:style>
+          <a:lnRef idx="2">
+            <a:schemeClr val="dk1"/>
+          </a:lnRef>
+          <a:fillRef idx="1">
+            <a:schemeClr val="lt1"/>
+          </a:fillRef>
+          <a:effectRef idx="0">
+            <a:schemeClr val="dk1"/>
+          </a:effectRef>
+          <a:fontRef idx="minor">
+            <a:schemeClr val="dk1"/>
+          </a:fontRef>
+        </p:style>
+        <p:txBody>
+          <a:bodyPr rtlCol="0" anchor="ctr"/>
+          <a:lstStyle/>
+          <a:p>
+            <a:pPr algn="ctr"/>
+            <a:r>
+              <a:rPr lang="en-US" altLang="zh-CN" dirty="0" smtClean="0"/>
+              <a:t>Id = 1 v = 2</a:t>
+            </a:r>
+          </a:p>
+          <a:p>
+            <a:pPr algn="ctr"/>
+            <a:r>
+              <a:rPr lang="en-US" altLang="zh-CN" dirty="0" smtClean="0"/>
+              <a:t>Id = 2 v = 2</a:t>
+            </a:r>
+          </a:p>
+          <a:p>
+            <a:pPr algn="ctr"/>
+            <a:r>
+              <a:rPr lang="en-US" altLang="zh-CN" dirty="0" smtClean="0"/>
+              <a:t>Id = 3 v = 2</a:t>
+            </a:r>
+          </a:p>
+          <a:p>
+            <a:pPr algn="ctr"/>
+            <a:r>
+              <a:rPr lang="en-US" altLang="zh-CN" dirty="0" smtClean="0"/>
+              <a:t>Id = 4 v = 1</a:t>
+            </a:r>
+            <a:endParaRPr lang="zh-CN" altLang="en-US" dirty="0"/>
+          </a:p>
+        </p:txBody>
+      </p:sp>
+      <p:sp>
+        <p:nvSpPr>
+          <p:cNvPr id="10" name="文本框 9"/>
+          <p:cNvSpPr txBox="1"/>
+          <p:nvPr/>
+        </p:nvSpPr>
+        <p:spPr>
+          <a:xfrm>
+            <a:off x="682388" y="3891888"/>
+            <a:ext cx="1433015" cy="369332"/>
+          </a:xfrm>
+          <a:prstGeom prst="rect">
+            <a:avLst/>
+          </a:prstGeom>
+          <a:noFill/>
+        </p:spPr>
+        <p:txBody>
+          <a:bodyPr wrap="square" rtlCol="0">
+            <a:spAutoFit/>
+          </a:bodyPr>
+          <a:lstStyle/>
+          <a:p>
+            <a:r>
+              <a:rPr lang="zh-CN" altLang="en-US" dirty="0" smtClean="0"/>
+              <a:t>源库表</a:t>
+            </a:r>
+            <a:endParaRPr lang="zh-CN" altLang="en-US" dirty="0"/>
+          </a:p>
+        </p:txBody>
+      </p:sp>
+      <p:sp>
+        <p:nvSpPr>
+          <p:cNvPr id="11" name="矩形 10"/>
+          <p:cNvSpPr/>
+          <p:nvPr/>
+        </p:nvSpPr>
+        <p:spPr>
+          <a:xfrm>
+            <a:off x="3236794" y="3632580"/>
+            <a:ext cx="1897039" cy="2715905"/>
+          </a:xfrm>
+          <a:prstGeom prst="rect">
+            <a:avLst/>
+          </a:prstGeom>
+        </p:spPr>
+        <p:style>
+          <a:lnRef idx="2">
+            <a:schemeClr val="dk1"/>
+          </a:lnRef>
+          <a:fillRef idx="1">
+            <a:schemeClr val="lt1"/>
+          </a:fillRef>
+          <a:effectRef idx="0">
+            <a:schemeClr val="dk1"/>
+          </a:effectRef>
+          <a:fontRef idx="minor">
+            <a:schemeClr val="dk1"/>
+          </a:fontRef>
+        </p:style>
+        <p:txBody>
+          <a:bodyPr rtlCol="0" anchor="ctr"/>
+          <a:lstStyle/>
+          <a:p>
+            <a:pPr algn="ctr"/>
+            <a:r>
+              <a:rPr lang="en-US" altLang="zh-CN" dirty="0" smtClean="0"/>
+              <a:t>Id = 1 update</a:t>
+            </a:r>
+          </a:p>
+          <a:p>
+            <a:pPr algn="ctr"/>
+            <a:r>
+              <a:rPr lang="en-US" altLang="zh-CN" dirty="0" smtClean="0"/>
+              <a:t>Id = 2 update</a:t>
+            </a:r>
+          </a:p>
+          <a:p>
+            <a:pPr algn="ctr"/>
+            <a:r>
+              <a:rPr lang="en-US" altLang="zh-CN" dirty="0" smtClean="0"/>
+              <a:t>Id = 3 update</a:t>
+            </a:r>
+            <a:endParaRPr lang="zh-CN" altLang="en-US" dirty="0"/>
+          </a:p>
+        </p:txBody>
+      </p:sp>
+      <p:sp>
+        <p:nvSpPr>
+          <p:cNvPr id="12" name="文本框 11"/>
+          <p:cNvSpPr txBox="1"/>
+          <p:nvPr/>
+        </p:nvSpPr>
+        <p:spPr>
+          <a:xfrm>
+            <a:off x="3468805" y="3891888"/>
+            <a:ext cx="1433015" cy="369332"/>
+          </a:xfrm>
+          <a:prstGeom prst="rect">
+            <a:avLst/>
+          </a:prstGeom>
+          <a:noFill/>
+        </p:spPr>
+        <p:txBody>
+          <a:bodyPr wrap="square" rtlCol="0">
+            <a:spAutoFit/>
+          </a:bodyPr>
+          <a:lstStyle/>
+          <a:p>
+            <a:r>
+              <a:rPr lang="zh-CN" altLang="en-US" dirty="0" smtClean="0"/>
+              <a:t>增量日志</a:t>
+            </a:r>
+            <a:endParaRPr lang="zh-CN" altLang="en-US" dirty="0"/>
+          </a:p>
+        </p:txBody>
+      </p:sp>
+      <p:sp>
+        <p:nvSpPr>
+          <p:cNvPr id="13" name="矩形 12"/>
+          <p:cNvSpPr/>
+          <p:nvPr/>
+        </p:nvSpPr>
+        <p:spPr>
+          <a:xfrm>
+            <a:off x="6036859" y="3632579"/>
+            <a:ext cx="1897039" cy="2715905"/>
+          </a:xfrm>
+          <a:prstGeom prst="rect">
+            <a:avLst/>
+          </a:prstGeom>
+        </p:spPr>
+        <p:style>
+          <a:lnRef idx="2">
+            <a:schemeClr val="dk1"/>
+          </a:lnRef>
+          <a:fillRef idx="1">
+            <a:schemeClr val="lt1"/>
+          </a:fillRef>
+          <a:effectRef idx="0">
+            <a:schemeClr val="dk1"/>
+          </a:effectRef>
+          <a:fontRef idx="minor">
+            <a:schemeClr val="dk1"/>
+          </a:fontRef>
+        </p:style>
+        <p:txBody>
+          <a:bodyPr rtlCol="0" anchor="ctr"/>
+          <a:lstStyle/>
+          <a:p>
+            <a:pPr algn="ctr"/>
+            <a:r>
+              <a:rPr lang="en-US" altLang="zh-CN" dirty="0" smtClean="0"/>
+              <a:t>Id = 1 v = 1</a:t>
+            </a:r>
+          </a:p>
+          <a:p>
+            <a:pPr algn="ctr"/>
+            <a:r>
+              <a:rPr lang="en-US" altLang="zh-CN" dirty="0" smtClean="0"/>
+              <a:t>Id = 3 v = 2</a:t>
+            </a:r>
+            <a:endParaRPr lang="zh-CN" altLang="en-US" dirty="0"/>
+          </a:p>
+        </p:txBody>
+      </p:sp>
+      <p:sp>
+        <p:nvSpPr>
+          <p:cNvPr id="14" name="文本框 13"/>
+          <p:cNvSpPr txBox="1"/>
+          <p:nvPr/>
+        </p:nvSpPr>
+        <p:spPr>
+          <a:xfrm>
+            <a:off x="6268870" y="3891887"/>
+            <a:ext cx="1433015" cy="369332"/>
+          </a:xfrm>
+          <a:prstGeom prst="rect">
+            <a:avLst/>
+          </a:prstGeom>
+          <a:noFill/>
+        </p:spPr>
+        <p:txBody>
+          <a:bodyPr wrap="square" rtlCol="0">
+            <a:spAutoFit/>
+          </a:bodyPr>
+          <a:lstStyle/>
+          <a:p>
+            <a:r>
+              <a:rPr lang="zh-CN" altLang="en-US" dirty="0" smtClean="0"/>
+              <a:t>新库表</a:t>
+            </a:r>
+            <a:endParaRPr lang="zh-CN" altLang="en-US" dirty="0"/>
+          </a:p>
+        </p:txBody>
+      </p:sp>
+    </p:spTree>
+    <p:extLst>
+      <p:ext uri="{BB962C8B-B14F-4D97-AF65-F5344CB8AC3E}">
+        <p14:creationId xmlns:p14="http://schemas.microsoft.com/office/powerpoint/2010/main" val="522385238"/>
+      </p:ext>
+    </p:extLst>
+  </p:cSld>
+  <p:clrMapOvr>
+    <a:masterClrMapping/>
+  </p:clrMapOvr>
+  <p:timing>
+    <p:tnLst>
+      <p:par>
+        <p:cTn id="1" dur="indefinite" restart="never" nodeType="tmRoot"/>
+      </p:par>
+    </p:tnLst>
+  </p:timing>
+</p:sld>
+</file>
+
+<file path=ppt/slides/slide7.xml><?xml version="1.0" encoding="utf-8"?>
+<p:sld xmlns:a="http://schemas.openxmlformats.org/drawingml/2006/main" xmlns:r="http://schemas.openxmlformats.org/officeDocument/2006/relationships" xmlns:p="http://schemas.openxmlformats.org/presentationml/2006/main">
+  <p:cSld>
+    <p:spTree>
+      <p:nvGrpSpPr>
+        <p:cNvPr id="1" name=""/>
+        <p:cNvGrpSpPr/>
+        <p:nvPr/>
+      </p:nvGrpSpPr>
+      <p:grpSpPr>
+        <a:xfrm>
+          <a:off x="0" y="0"/>
+          <a:ext cx="0" cy="0"/>
+          <a:chOff x="0" y="0"/>
+          <a:chExt cx="0" cy="0"/>
+        </a:xfrm>
+      </p:grpSpPr>
+      <p:sp>
+        <p:nvSpPr>
+          <p:cNvPr id="2" name="矩形 1"/>
+          <p:cNvSpPr/>
+          <p:nvPr/>
+        </p:nvSpPr>
+        <p:spPr>
+          <a:xfrm>
+            <a:off x="436729" y="300250"/>
+            <a:ext cx="1897039" cy="2715905"/>
+          </a:xfrm>
+          <a:prstGeom prst="rect">
+            <a:avLst/>
+          </a:prstGeom>
+        </p:spPr>
+        <p:style>
+          <a:lnRef idx="2">
+            <a:schemeClr val="dk1"/>
+          </a:lnRef>
+          <a:fillRef idx="1">
+            <a:schemeClr val="lt1"/>
+          </a:fillRef>
+          <a:effectRef idx="0">
+            <a:schemeClr val="dk1"/>
+          </a:effectRef>
+          <a:fontRef idx="minor">
+            <a:schemeClr val="dk1"/>
+          </a:fontRef>
+        </p:style>
+        <p:txBody>
+          <a:bodyPr rtlCol="0" anchor="ctr"/>
+          <a:lstStyle/>
+          <a:p>
+            <a:pPr algn="ctr"/>
+            <a:r>
+              <a:rPr lang="en-US" altLang="zh-CN" dirty="0" smtClean="0"/>
+              <a:t>Id = 1 v = 2</a:t>
+            </a:r>
+          </a:p>
+          <a:p>
+            <a:pPr algn="ctr"/>
+            <a:r>
+              <a:rPr lang="en-US" altLang="zh-CN" dirty="0" smtClean="0"/>
+              <a:t>Id = 2 v = 2</a:t>
+            </a:r>
+          </a:p>
+          <a:p>
+            <a:pPr algn="ctr"/>
+            <a:r>
+              <a:rPr lang="en-US" altLang="zh-CN" dirty="0" smtClean="0"/>
+              <a:t>Id = 3 v = 3</a:t>
+            </a:r>
+          </a:p>
+          <a:p>
+            <a:pPr algn="ctr"/>
+            <a:r>
+              <a:rPr lang="en-US" altLang="zh-CN" dirty="0" smtClean="0"/>
+              <a:t>Id = 4 v = 2</a:t>
+            </a:r>
+            <a:endParaRPr lang="zh-CN" altLang="en-US" dirty="0"/>
+          </a:p>
+        </p:txBody>
+      </p:sp>
+      <p:sp>
+        <p:nvSpPr>
+          <p:cNvPr id="3" name="文本框 2"/>
+          <p:cNvSpPr txBox="1"/>
+          <p:nvPr/>
+        </p:nvSpPr>
+        <p:spPr>
+          <a:xfrm>
+            <a:off x="682388" y="559559"/>
+            <a:ext cx="1433015" cy="369332"/>
+          </a:xfrm>
+          <a:prstGeom prst="rect">
+            <a:avLst/>
+          </a:prstGeom>
+          <a:noFill/>
+        </p:spPr>
+        <p:txBody>
+          <a:bodyPr wrap="square" rtlCol="0">
+            <a:spAutoFit/>
+          </a:bodyPr>
+          <a:lstStyle/>
+          <a:p>
+            <a:r>
+              <a:rPr lang="zh-CN" altLang="en-US" dirty="0" smtClean="0"/>
+              <a:t>源库表</a:t>
+            </a:r>
+            <a:endParaRPr lang="zh-CN" altLang="en-US" dirty="0"/>
+          </a:p>
+        </p:txBody>
+      </p:sp>
+      <p:sp>
+        <p:nvSpPr>
+          <p:cNvPr id="4" name="矩形 3"/>
+          <p:cNvSpPr/>
+          <p:nvPr/>
+        </p:nvSpPr>
+        <p:spPr>
+          <a:xfrm>
+            <a:off x="3236794" y="300251"/>
+            <a:ext cx="1897039" cy="2715905"/>
+          </a:xfrm>
+          <a:prstGeom prst="rect">
+            <a:avLst/>
+          </a:prstGeom>
+        </p:spPr>
+        <p:style>
+          <a:lnRef idx="2">
+            <a:schemeClr val="dk1"/>
+          </a:lnRef>
+          <a:fillRef idx="1">
+            <a:schemeClr val="lt1"/>
+          </a:fillRef>
+          <a:effectRef idx="0">
+            <a:schemeClr val="dk1"/>
+          </a:effectRef>
+          <a:fontRef idx="minor">
+            <a:schemeClr val="dk1"/>
+          </a:fontRef>
+        </p:style>
+        <p:txBody>
+          <a:bodyPr rtlCol="0" anchor="ctr"/>
+          <a:lstStyle/>
+          <a:p>
+            <a:pPr algn="ctr"/>
+            <a:r>
+              <a:rPr lang="en-US" altLang="zh-CN" dirty="0" smtClean="0"/>
+              <a:t>Id = 1 update</a:t>
+            </a:r>
+          </a:p>
+          <a:p>
+            <a:pPr algn="ctr"/>
+            <a:r>
+              <a:rPr lang="en-US" altLang="zh-CN" dirty="0" smtClean="0"/>
+              <a:t>Id = 2 update</a:t>
+            </a:r>
+          </a:p>
+          <a:p>
+            <a:pPr algn="ctr"/>
+            <a:r>
+              <a:rPr lang="en-US" altLang="zh-CN" dirty="0" smtClean="0"/>
+              <a:t>Id = 3 update</a:t>
+            </a:r>
+          </a:p>
+          <a:p>
+            <a:pPr algn="ctr"/>
+            <a:r>
+              <a:rPr lang="en-US" altLang="zh-CN" dirty="0" smtClean="0"/>
+              <a:t>Id = 4 update</a:t>
+            </a:r>
+          </a:p>
+          <a:p>
+            <a:pPr algn="ctr"/>
+            <a:r>
+              <a:rPr lang="en-US" altLang="zh-CN" dirty="0" smtClean="0"/>
+              <a:t>Id = 3 update</a:t>
+            </a:r>
+            <a:endParaRPr lang="zh-CN" altLang="en-US" dirty="0"/>
+          </a:p>
+        </p:txBody>
+      </p:sp>
+      <p:sp>
+        <p:nvSpPr>
+          <p:cNvPr id="5" name="文本框 4"/>
+          <p:cNvSpPr txBox="1"/>
+          <p:nvPr/>
+        </p:nvSpPr>
+        <p:spPr>
+          <a:xfrm>
+            <a:off x="3468805" y="559559"/>
+            <a:ext cx="1433015" cy="369332"/>
+          </a:xfrm>
+          <a:prstGeom prst="rect">
+            <a:avLst/>
+          </a:prstGeom>
+          <a:noFill/>
+        </p:spPr>
+        <p:txBody>
+          <a:bodyPr wrap="square" rtlCol="0">
+            <a:spAutoFit/>
+          </a:bodyPr>
+          <a:lstStyle/>
+          <a:p>
+            <a:r>
+              <a:rPr lang="zh-CN" altLang="en-US" dirty="0" smtClean="0"/>
+              <a:t>增量日志</a:t>
+            </a:r>
+            <a:endParaRPr lang="zh-CN" altLang="en-US" dirty="0"/>
+          </a:p>
+        </p:txBody>
+      </p:sp>
+      <p:sp>
+        <p:nvSpPr>
+          <p:cNvPr id="6" name="矩形 5"/>
+          <p:cNvSpPr/>
+          <p:nvPr/>
+        </p:nvSpPr>
+        <p:spPr>
+          <a:xfrm>
+            <a:off x="6036859" y="300250"/>
+            <a:ext cx="1897039" cy="2715905"/>
+          </a:xfrm>
+          <a:prstGeom prst="rect">
+            <a:avLst/>
+          </a:prstGeom>
+        </p:spPr>
+        <p:style>
+          <a:lnRef idx="2">
+            <a:schemeClr val="dk1"/>
+          </a:lnRef>
+          <a:fillRef idx="1">
+            <a:schemeClr val="lt1"/>
+          </a:fillRef>
+          <a:effectRef idx="0">
+            <a:schemeClr val="dk1"/>
+          </a:effectRef>
+          <a:fontRef idx="minor">
+            <a:schemeClr val="dk1"/>
+          </a:fontRef>
+        </p:style>
+        <p:txBody>
+          <a:bodyPr rtlCol="0" anchor="ctr"/>
+          <a:lstStyle/>
+          <a:p>
+            <a:pPr algn="ctr"/>
+            <a:r>
+              <a:rPr lang="en-US" altLang="zh-CN" dirty="0" smtClean="0"/>
+              <a:t>Id = 1 v = 2</a:t>
+            </a:r>
+          </a:p>
+          <a:p>
+            <a:pPr algn="ctr"/>
+            <a:r>
+              <a:rPr lang="en-US" altLang="zh-CN" dirty="0" smtClean="0"/>
+              <a:t>Id = 3 v = 2</a:t>
+            </a:r>
+            <a:endParaRPr lang="zh-CN" altLang="en-US" dirty="0"/>
+          </a:p>
+        </p:txBody>
+      </p:sp>
+      <p:sp>
+        <p:nvSpPr>
+          <p:cNvPr id="7" name="文本框 6"/>
+          <p:cNvSpPr txBox="1"/>
+          <p:nvPr/>
+        </p:nvSpPr>
+        <p:spPr>
+          <a:xfrm>
+            <a:off x="6268870" y="559558"/>
+            <a:ext cx="1433015" cy="369332"/>
+          </a:xfrm>
+          <a:prstGeom prst="rect">
+            <a:avLst/>
+          </a:prstGeom>
+          <a:noFill/>
+        </p:spPr>
+        <p:txBody>
+          <a:bodyPr wrap="square" rtlCol="0">
+            <a:spAutoFit/>
+          </a:bodyPr>
+          <a:lstStyle/>
+          <a:p>
+            <a:r>
+              <a:rPr lang="zh-CN" altLang="en-US" dirty="0" smtClean="0"/>
+              <a:t>新库表</a:t>
+            </a:r>
+            <a:endParaRPr lang="zh-CN" altLang="en-US" dirty="0"/>
+          </a:p>
+        </p:txBody>
+      </p:sp>
+    </p:spTree>
+    <p:extLst>
+      <p:ext uri="{BB962C8B-B14F-4D97-AF65-F5344CB8AC3E}">
+        <p14:creationId xmlns:p14="http://schemas.microsoft.com/office/powerpoint/2010/main" val="1753588803"/>
+      </p:ext>
+    </p:extLst>
+  </p:cSld>
+  <p:clrMapOvr>
+    <a:masterClrMapping/>
+  </p:clrMapOvr>
+  <p:timing>
+    <p:tnLst>
+      <p:par>
+        <p:cTn id="1" dur="indefinite" restart="never" nodeType="tmRoot"/>
+      </p:par>
+    </p:tnLst>
+  </p:timing>
+</p:sld>
+</file>
+
 <file path=ppt/theme/theme1.xml><?xml version="1.0" encoding="utf-8"?>
 <a:theme xmlns:a="http://schemas.openxmlformats.org/drawingml/2006/main" name="Office 主题">
   <a:themeElements>
